--- a/slides/1. Differentiation.pptx
+++ b/slides/1. Differentiation.pptx
@@ -4,6 +4,9 @@
   <p:sldMasterIdLst>
     <p:sldMasterId id="2147483840" r:id="rId1"/>
   </p:sldMasterIdLst>
+  <p:notesMasterIdLst>
+    <p:notesMasterId r:id="rId13"/>
+  </p:notesMasterIdLst>
   <p:sldIdLst>
     <p:sldId id="256" r:id="rId2"/>
     <p:sldId id="267" r:id="rId3"/>
@@ -122,6 +125,355 @@
 </p:presentation>
 </file>
 
+<file path=ppt/notesMasters/notesMaster1.xml><?xml version="1.0" encoding="utf-8"?>
+<p:notesMaster xmlns:a="http://schemas.openxmlformats.org/drawingml/2006/main" xmlns:r="http://schemas.openxmlformats.org/officeDocument/2006/relationships" xmlns:p="http://schemas.openxmlformats.org/presentationml/2006/main">
+  <p:cSld>
+    <p:bg>
+      <p:bgRef idx="1001">
+        <a:schemeClr val="bg1"/>
+      </p:bgRef>
+    </p:bg>
+    <p:spTree>
+      <p:nvGrpSpPr>
+        <p:cNvPr id="1" name=""/>
+        <p:cNvGrpSpPr/>
+        <p:nvPr/>
+      </p:nvGrpSpPr>
+      <p:grpSpPr>
+        <a:xfrm>
+          <a:off x="0" y="0"/>
+          <a:ext cx="0" cy="0"/>
+          <a:chOff x="0" y="0"/>
+          <a:chExt cx="0" cy="0"/>
+        </a:xfrm>
+      </p:grpSpPr>
+      <p:sp>
+        <p:nvSpPr>
+          <p:cNvPr id="2" name="Header Placeholder 1"/>
+          <p:cNvSpPr>
+            <a:spLocks noGrp="1"/>
+          </p:cNvSpPr>
+          <p:nvPr>
+            <p:ph type="hdr" sz="quarter"/>
+          </p:nvPr>
+        </p:nvSpPr>
+        <p:spPr>
+          <a:xfrm>
+            <a:off x="0" y="0"/>
+            <a:ext cx="2971800" cy="458788"/>
+          </a:xfrm>
+          <a:prstGeom prst="rect">
+            <a:avLst/>
+          </a:prstGeom>
+        </p:spPr>
+        <p:txBody>
+          <a:bodyPr vert="horz" lIns="91440" tIns="45720" rIns="91440" bIns="45720" rtlCol="0"/>
+          <a:lstStyle>
+            <a:lvl1pPr algn="l">
+              <a:defRPr sz="1200"/>
+            </a:lvl1pPr>
+          </a:lstStyle>
+          <a:p>
+            <a:endParaRPr lang="en-US"/>
+          </a:p>
+        </p:txBody>
+      </p:sp>
+      <p:sp>
+        <p:nvSpPr>
+          <p:cNvPr id="3" name="Date Placeholder 2"/>
+          <p:cNvSpPr>
+            <a:spLocks noGrp="1"/>
+          </p:cNvSpPr>
+          <p:nvPr>
+            <p:ph type="dt" idx="1"/>
+          </p:nvPr>
+        </p:nvSpPr>
+        <p:spPr>
+          <a:xfrm>
+            <a:off x="3884613" y="0"/>
+            <a:ext cx="2971800" cy="458788"/>
+          </a:xfrm>
+          <a:prstGeom prst="rect">
+            <a:avLst/>
+          </a:prstGeom>
+        </p:spPr>
+        <p:txBody>
+          <a:bodyPr vert="horz" lIns="91440" tIns="45720" rIns="91440" bIns="45720" rtlCol="0"/>
+          <a:lstStyle>
+            <a:lvl1pPr algn="r">
+              <a:defRPr sz="1200"/>
+            </a:lvl1pPr>
+          </a:lstStyle>
+          <a:p>
+            <a:fld id="{E2888861-97D8-4F96-99B9-3D81140780CE}" type="datetimeFigureOut">
+              <a:rPr lang="en-US" smtClean="0"/>
+              <a:t>2/26/2026</a:t>
+            </a:fld>
+            <a:endParaRPr lang="en-US"/>
+          </a:p>
+        </p:txBody>
+      </p:sp>
+      <p:sp>
+        <p:nvSpPr>
+          <p:cNvPr id="4" name="Slide Image Placeholder 3"/>
+          <p:cNvSpPr>
+            <a:spLocks noGrp="1" noRot="1" noChangeAspect="1"/>
+          </p:cNvSpPr>
+          <p:nvPr>
+            <p:ph type="sldImg" idx="2"/>
+          </p:nvPr>
+        </p:nvSpPr>
+        <p:spPr>
+          <a:xfrm>
+            <a:off x="685800" y="1143000"/>
+            <a:ext cx="5486400" cy="3086100"/>
+          </a:xfrm>
+          <a:prstGeom prst="rect">
+            <a:avLst/>
+          </a:prstGeom>
+          <a:noFill/>
+          <a:ln w="12700">
+            <a:solidFill>
+              <a:prstClr val="black"/>
+            </a:solidFill>
+          </a:ln>
+        </p:spPr>
+        <p:txBody>
+          <a:bodyPr vert="horz" lIns="91440" tIns="45720" rIns="91440" bIns="45720" rtlCol="0" anchor="ctr"/>
+          <a:lstStyle/>
+          <a:p>
+            <a:endParaRPr lang="en-US"/>
+          </a:p>
+        </p:txBody>
+      </p:sp>
+      <p:sp>
+        <p:nvSpPr>
+          <p:cNvPr id="5" name="Notes Placeholder 4"/>
+          <p:cNvSpPr>
+            <a:spLocks noGrp="1"/>
+          </p:cNvSpPr>
+          <p:nvPr>
+            <p:ph type="body" sz="quarter" idx="3"/>
+          </p:nvPr>
+        </p:nvSpPr>
+        <p:spPr>
+          <a:xfrm>
+            <a:off x="685800" y="4400550"/>
+            <a:ext cx="5486400" cy="3600450"/>
+          </a:xfrm>
+          <a:prstGeom prst="rect">
+            <a:avLst/>
+          </a:prstGeom>
+        </p:spPr>
+        <p:txBody>
+          <a:bodyPr vert="horz" lIns="91440" tIns="45720" rIns="91440" bIns="45720" rtlCol="0"/>
+          <a:lstStyle/>
+          <a:p>
+            <a:pPr lvl="0"/>
+            <a:r>
+              <a:rPr lang="en-US"/>
+              <a:t>Click to edit Master text styles</a:t>
+            </a:r>
+          </a:p>
+          <a:p>
+            <a:pPr lvl="1"/>
+            <a:r>
+              <a:rPr lang="en-US"/>
+              <a:t>Second level</a:t>
+            </a:r>
+          </a:p>
+          <a:p>
+            <a:pPr lvl="2"/>
+            <a:r>
+              <a:rPr lang="en-US"/>
+              <a:t>Third level</a:t>
+            </a:r>
+          </a:p>
+          <a:p>
+            <a:pPr lvl="3"/>
+            <a:r>
+              <a:rPr lang="en-US"/>
+              <a:t>Fourth level</a:t>
+            </a:r>
+          </a:p>
+          <a:p>
+            <a:pPr lvl="4"/>
+            <a:r>
+              <a:rPr lang="en-US"/>
+              <a:t>Fifth level</a:t>
+            </a:r>
+          </a:p>
+        </p:txBody>
+      </p:sp>
+      <p:sp>
+        <p:nvSpPr>
+          <p:cNvPr id="6" name="Footer Placeholder 5"/>
+          <p:cNvSpPr>
+            <a:spLocks noGrp="1"/>
+          </p:cNvSpPr>
+          <p:nvPr>
+            <p:ph type="ftr" sz="quarter" idx="4"/>
+          </p:nvPr>
+        </p:nvSpPr>
+        <p:spPr>
+          <a:xfrm>
+            <a:off x="0" y="8685213"/>
+            <a:ext cx="2971800" cy="458787"/>
+          </a:xfrm>
+          <a:prstGeom prst="rect">
+            <a:avLst/>
+          </a:prstGeom>
+        </p:spPr>
+        <p:txBody>
+          <a:bodyPr vert="horz" lIns="91440" tIns="45720" rIns="91440" bIns="45720" rtlCol="0" anchor="b"/>
+          <a:lstStyle>
+            <a:lvl1pPr algn="l">
+              <a:defRPr sz="1200"/>
+            </a:lvl1pPr>
+          </a:lstStyle>
+          <a:p>
+            <a:endParaRPr lang="en-US"/>
+          </a:p>
+        </p:txBody>
+      </p:sp>
+      <p:sp>
+        <p:nvSpPr>
+          <p:cNvPr id="7" name="Slide Number Placeholder 6"/>
+          <p:cNvSpPr>
+            <a:spLocks noGrp="1"/>
+          </p:cNvSpPr>
+          <p:nvPr>
+            <p:ph type="sldNum" sz="quarter" idx="5"/>
+          </p:nvPr>
+        </p:nvSpPr>
+        <p:spPr>
+          <a:xfrm>
+            <a:off x="3884613" y="8685213"/>
+            <a:ext cx="2971800" cy="458787"/>
+          </a:xfrm>
+          <a:prstGeom prst="rect">
+            <a:avLst/>
+          </a:prstGeom>
+        </p:spPr>
+        <p:txBody>
+          <a:bodyPr vert="horz" lIns="91440" tIns="45720" rIns="91440" bIns="45720" rtlCol="0" anchor="b"/>
+          <a:lstStyle>
+            <a:lvl1pPr algn="r">
+              <a:defRPr sz="1200"/>
+            </a:lvl1pPr>
+          </a:lstStyle>
+          <a:p>
+            <a:fld id="{40BF1E36-E4B9-466D-B9FA-627018FBD273}" type="slidenum">
+              <a:rPr lang="en-US" smtClean="0"/>
+              <a:t>‹#›</a:t>
+            </a:fld>
+            <a:endParaRPr lang="en-US"/>
+          </a:p>
+        </p:txBody>
+      </p:sp>
+    </p:spTree>
+    <p:extLst>
+      <p:ext uri="{BB962C8B-B14F-4D97-AF65-F5344CB8AC3E}">
+        <p14:creationId xmlns:p14="http://schemas.microsoft.com/office/powerpoint/2010/main" val="1191998511"/>
+      </p:ext>
+    </p:extLst>
+  </p:cSld>
+  <p:clrMap bg1="lt1" tx1="dk1" bg2="lt2" tx2="dk2" accent1="accent1" accent2="accent2" accent3="accent3" accent4="accent4" accent5="accent5" accent6="accent6" hlink="hlink" folHlink="folHlink"/>
+  <p:notesStyle>
+    <a:lvl1pPr marL="0" algn="l" defTabSz="914400" rtl="0" eaLnBrk="1" latinLnBrk="0" hangingPunct="1">
+      <a:defRPr sz="1200" kern="1200">
+        <a:solidFill>
+          <a:schemeClr val="tx1"/>
+        </a:solidFill>
+        <a:latin typeface="+mn-lt"/>
+        <a:ea typeface="+mn-ea"/>
+        <a:cs typeface="+mn-cs"/>
+      </a:defRPr>
+    </a:lvl1pPr>
+    <a:lvl2pPr marL="457200" algn="l" defTabSz="914400" rtl="0" eaLnBrk="1" latinLnBrk="0" hangingPunct="1">
+      <a:defRPr sz="1200" kern="1200">
+        <a:solidFill>
+          <a:schemeClr val="tx1"/>
+        </a:solidFill>
+        <a:latin typeface="+mn-lt"/>
+        <a:ea typeface="+mn-ea"/>
+        <a:cs typeface="+mn-cs"/>
+      </a:defRPr>
+    </a:lvl2pPr>
+    <a:lvl3pPr marL="914400" algn="l" defTabSz="914400" rtl="0" eaLnBrk="1" latinLnBrk="0" hangingPunct="1">
+      <a:defRPr sz="1200" kern="1200">
+        <a:solidFill>
+          <a:schemeClr val="tx1"/>
+        </a:solidFill>
+        <a:latin typeface="+mn-lt"/>
+        <a:ea typeface="+mn-ea"/>
+        <a:cs typeface="+mn-cs"/>
+      </a:defRPr>
+    </a:lvl3pPr>
+    <a:lvl4pPr marL="1371600" algn="l" defTabSz="914400" rtl="0" eaLnBrk="1" latinLnBrk="0" hangingPunct="1">
+      <a:defRPr sz="1200" kern="1200">
+        <a:solidFill>
+          <a:schemeClr val="tx1"/>
+        </a:solidFill>
+        <a:latin typeface="+mn-lt"/>
+        <a:ea typeface="+mn-ea"/>
+        <a:cs typeface="+mn-cs"/>
+      </a:defRPr>
+    </a:lvl4pPr>
+    <a:lvl5pPr marL="1828800" algn="l" defTabSz="914400" rtl="0" eaLnBrk="1" latinLnBrk="0" hangingPunct="1">
+      <a:defRPr sz="1200" kern="1200">
+        <a:solidFill>
+          <a:schemeClr val="tx1"/>
+        </a:solidFill>
+        <a:latin typeface="+mn-lt"/>
+        <a:ea typeface="+mn-ea"/>
+        <a:cs typeface="+mn-cs"/>
+      </a:defRPr>
+    </a:lvl5pPr>
+    <a:lvl6pPr marL="2286000" algn="l" defTabSz="914400" rtl="0" eaLnBrk="1" latinLnBrk="0" hangingPunct="1">
+      <a:defRPr sz="1200" kern="1200">
+        <a:solidFill>
+          <a:schemeClr val="tx1"/>
+        </a:solidFill>
+        <a:latin typeface="+mn-lt"/>
+        <a:ea typeface="+mn-ea"/>
+        <a:cs typeface="+mn-cs"/>
+      </a:defRPr>
+    </a:lvl6pPr>
+    <a:lvl7pPr marL="2743200" algn="l" defTabSz="914400" rtl="0" eaLnBrk="1" latinLnBrk="0" hangingPunct="1">
+      <a:defRPr sz="1200" kern="1200">
+        <a:solidFill>
+          <a:schemeClr val="tx1"/>
+        </a:solidFill>
+        <a:latin typeface="+mn-lt"/>
+        <a:ea typeface="+mn-ea"/>
+        <a:cs typeface="+mn-cs"/>
+      </a:defRPr>
+    </a:lvl7pPr>
+    <a:lvl8pPr marL="3200400" algn="l" defTabSz="914400" rtl="0" eaLnBrk="1" latinLnBrk="0" hangingPunct="1">
+      <a:defRPr sz="1200" kern="1200">
+        <a:solidFill>
+          <a:schemeClr val="tx1"/>
+        </a:solidFill>
+        <a:latin typeface="+mn-lt"/>
+        <a:ea typeface="+mn-ea"/>
+        <a:cs typeface="+mn-cs"/>
+      </a:defRPr>
+    </a:lvl8pPr>
+    <a:lvl9pPr marL="3657600" algn="l" defTabSz="914400" rtl="0" eaLnBrk="1" latinLnBrk="0" hangingPunct="1">
+      <a:defRPr sz="1200" kern="1200">
+        <a:solidFill>
+          <a:schemeClr val="tx1"/>
+        </a:solidFill>
+        <a:latin typeface="+mn-lt"/>
+        <a:ea typeface="+mn-ea"/>
+        <a:cs typeface="+mn-cs"/>
+      </a:defRPr>
+    </a:lvl9pPr>
+  </p:notesStyle>
+</p:notesMaster>
+</file>
+
 <file path=ppt/slideLayouts/slideLayout1.xml><?xml version="1.0" encoding="utf-8"?>
 <p:sldLayout xmlns:a="http://schemas.openxmlformats.org/drawingml/2006/main" xmlns:r="http://schemas.openxmlformats.org/officeDocument/2006/relationships" xmlns:p="http://schemas.openxmlformats.org/presentationml/2006/main" showMasterSp="0" type="title" preserve="1">
   <p:cSld name="Title Slide">
@@ -558,8 +910,8 @@
           <a:bodyPr/>
           <a:lstStyle/>
           <a:p>
-            <a:fld id="{83284890-85D2-4D7B-8EF5-15A9C1DB8F42}" type="datetimeFigureOut">
-              <a:rPr lang="en-US" dirty="0"/>
+            <a:fld id="{28C1510A-0735-4ADB-8F8B-E80B865C3645}" type="datetime1">
+              <a:rPr lang="en-US" smtClean="0"/>
               <a:t>2/26/2026</a:t>
             </a:fld>
             <a:endParaRPr lang="en-US" dirty="0"/>
@@ -581,6 +933,10 @@
           <a:bodyPr/>
           <a:lstStyle/>
           <a:p>
+            <a:r>
+              <a:rPr lang="ar-EG"/>
+              <a:t>م. يوسف مجدي</a:t>
+            </a:r>
             <a:endParaRPr lang="en-US" dirty="0"/>
           </a:p>
         </p:txBody>
@@ -733,8 +1089,8 @@
           <a:bodyPr/>
           <a:lstStyle/>
           <a:p>
-            <a:fld id="{87157CC2-0FC8-4686-B024-99790E0F5162}" type="datetimeFigureOut">
-              <a:rPr lang="en-US" dirty="0"/>
+            <a:fld id="{D15BF0E2-46E5-4276-9A1B-C2147F89A39B}" type="datetime1">
+              <a:rPr lang="en-US" smtClean="0"/>
               <a:t>2/26/2026</a:t>
             </a:fld>
             <a:endParaRPr lang="en-US" dirty="0"/>
@@ -756,6 +1112,10 @@
           <a:bodyPr/>
           <a:lstStyle/>
           <a:p>
+            <a:r>
+              <a:rPr lang="ar-EG"/>
+              <a:t>م. يوسف مجدي</a:t>
+            </a:r>
             <a:endParaRPr lang="en-US" dirty="0"/>
           </a:p>
         </p:txBody>
@@ -908,8 +1268,8 @@
           <a:bodyPr/>
           <a:lstStyle/>
           <a:p>
-            <a:fld id="{F6764DA5-CD3D-4590-A511-FCD3BC7A793E}" type="datetimeFigureOut">
-              <a:rPr lang="en-US" dirty="0"/>
+            <a:fld id="{C2F1D9AB-1621-4051-958D-1D0DF3166BDC}" type="datetime1">
+              <a:rPr lang="en-US" smtClean="0"/>
               <a:t>2/26/2026</a:t>
             </a:fld>
             <a:endParaRPr lang="en-US" dirty="0"/>
@@ -931,6 +1291,10 @@
           <a:bodyPr/>
           <a:lstStyle/>
           <a:p>
+            <a:r>
+              <a:rPr lang="ar-EG"/>
+              <a:t>م. يوسف مجدي</a:t>
+            </a:r>
             <a:endParaRPr lang="en-US" dirty="0"/>
           </a:p>
         </p:txBody>
@@ -1073,8 +1437,8 @@
           <a:bodyPr/>
           <a:lstStyle/>
           <a:p>
-            <a:fld id="{82F5661D-6934-4B32-B92C-470368BF1EC6}" type="datetimeFigureOut">
-              <a:rPr lang="en-US" dirty="0"/>
+            <a:fld id="{F907133D-A2CA-4B7C-A95E-4691BBFB0CCF}" type="datetime1">
+              <a:rPr lang="en-US" smtClean="0"/>
               <a:t>2/26/2026</a:t>
             </a:fld>
             <a:endParaRPr lang="en-US" dirty="0"/>
@@ -1096,6 +1460,10 @@
           <a:bodyPr/>
           <a:lstStyle/>
           <a:p>
+            <a:r>
+              <a:rPr lang="ar-EG"/>
+              <a:t>م. يوسف مجدي</a:t>
+            </a:r>
             <a:endParaRPr lang="en-US" dirty="0"/>
           </a:p>
         </p:txBody>
@@ -1381,8 +1749,8 @@
           <a:bodyPr/>
           <a:lstStyle/>
           <a:p>
-            <a:fld id="{C6F822A4-8DA6-4447-9B1F-C5DB58435268}" type="datetimeFigureOut">
-              <a:rPr lang="en-US" dirty="0"/>
+            <a:fld id="{C72A941C-0CE7-4546-B251-5B5B60616AF8}" type="datetime1">
+              <a:rPr lang="en-US" smtClean="0"/>
               <a:t>2/26/2026</a:t>
             </a:fld>
             <a:endParaRPr lang="en-US" dirty="0"/>
@@ -1409,6 +1777,10 @@
           <a:bodyPr/>
           <a:lstStyle/>
           <a:p>
+            <a:r>
+              <a:rPr lang="ar-EG"/>
+              <a:t>م. يوسف مجدي</a:t>
+            </a:r>
             <a:endParaRPr lang="en-US" dirty="0"/>
           </a:p>
         </p:txBody>
@@ -1763,8 +2135,8 @@
           <a:bodyPr/>
           <a:lstStyle/>
           <a:p>
-            <a:fld id="{E548D31E-DCDA-41A7-9C67-C4B11B94D21D}" type="datetimeFigureOut">
-              <a:rPr lang="en-US" dirty="0"/>
+            <a:fld id="{ED4E6672-039C-48EE-9F35-82754666EDDC}" type="datetime1">
+              <a:rPr lang="en-US" smtClean="0"/>
               <a:t>2/26/2026</a:t>
             </a:fld>
             <a:endParaRPr lang="en-US" dirty="0"/>
@@ -1786,6 +2158,10 @@
           <a:bodyPr/>
           <a:lstStyle/>
           <a:p>
+            <a:r>
+              <a:rPr lang="ar-EG"/>
+              <a:t>م. يوسف مجدي</a:t>
+            </a:r>
             <a:endParaRPr lang="en-US" dirty="0"/>
           </a:p>
         </p:txBody>
@@ -2192,8 +2568,8 @@
           <a:bodyPr/>
           <a:lstStyle/>
           <a:p>
-            <a:fld id="{9B3762C0-B258-48F1-ADE6-176B4174CCDD}" type="datetimeFigureOut">
-              <a:rPr lang="en-US" dirty="0"/>
+            <a:fld id="{FE12ADD7-EC16-47DA-A212-E33D4885E8C5}" type="datetime1">
+              <a:rPr lang="en-US" smtClean="0"/>
               <a:t>2/26/2026</a:t>
             </a:fld>
             <a:endParaRPr lang="en-US" dirty="0"/>
@@ -2215,6 +2591,10 @@
           <a:bodyPr/>
           <a:lstStyle/>
           <a:p>
+            <a:r>
+              <a:rPr lang="ar-EG"/>
+              <a:t>م. يوسف مجدي</a:t>
+            </a:r>
             <a:endParaRPr lang="en-US" dirty="0"/>
           </a:p>
         </p:txBody>
@@ -2305,8 +2685,8 @@
           <a:bodyPr/>
           <a:lstStyle/>
           <a:p>
-            <a:fld id="{677919A6-33EB-49BD-A62F-1FA56B9F9712}" type="datetimeFigureOut">
-              <a:rPr lang="en-US" dirty="0"/>
+            <a:fld id="{96ABDECB-5366-4301-9EAE-C3C23D79F064}" type="datetime1">
+              <a:rPr lang="en-US" smtClean="0"/>
               <a:t>2/26/2026</a:t>
             </a:fld>
             <a:endParaRPr lang="en-US" dirty="0"/>
@@ -2328,6 +2708,10 @@
           <a:bodyPr/>
           <a:lstStyle/>
           <a:p>
+            <a:r>
+              <a:rPr lang="ar-EG"/>
+              <a:t>م. يوسف مجدي</a:t>
+            </a:r>
             <a:endParaRPr lang="en-US" dirty="0"/>
           </a:p>
         </p:txBody>
@@ -2395,8 +2779,8 @@
           <a:bodyPr/>
           <a:lstStyle/>
           <a:p>
-            <a:fld id="{CA4E7D1B-D673-4CF6-8672-009D42ABD2A0}" type="datetimeFigureOut">
-              <a:rPr lang="en-US" dirty="0"/>
+            <a:fld id="{7C3B9CA1-5FE5-4122-AC0E-12AF9AF8C3A4}" type="datetime1">
+              <a:rPr lang="en-US" smtClean="0"/>
               <a:t>2/26/2026</a:t>
             </a:fld>
             <a:endParaRPr lang="en-US" dirty="0"/>
@@ -2418,6 +2802,10 @@
           <a:bodyPr/>
           <a:lstStyle/>
           <a:p>
+            <a:r>
+              <a:rPr lang="ar-EG"/>
+              <a:t>م. يوسف مجدي</a:t>
+            </a:r>
             <a:endParaRPr lang="en-US" dirty="0"/>
           </a:p>
         </p:txBody>
@@ -2740,8 +3128,8 @@
           <a:bodyPr/>
           <a:lstStyle/>
           <a:p>
-            <a:fld id="{DA16AA21-1863-4931-97CB-99D0A168701B}" type="datetimeFigureOut">
-              <a:rPr lang="en-US" dirty="0"/>
+            <a:fld id="{EBFFC451-8F46-42AE-923F-5C7B82C75A83}" type="datetime1">
+              <a:rPr lang="en-US" smtClean="0"/>
               <a:t>2/26/2026</a:t>
             </a:fld>
             <a:endParaRPr lang="en-US" dirty="0"/>
@@ -2763,6 +3151,10 @@
           <a:bodyPr/>
           <a:lstStyle/>
           <a:p>
+            <a:r>
+              <a:rPr lang="ar-EG"/>
+              <a:t>م. يوسف مجدي</a:t>
+            </a:r>
             <a:endParaRPr lang="en-US" dirty="0"/>
           </a:p>
         </p:txBody>
@@ -3160,8 +3552,8 @@
           <a:bodyPr/>
           <a:lstStyle/>
           <a:p>
-            <a:fld id="{3772C379-9A7C-4C87-A116-CBE9F58B04C5}" type="datetimeFigureOut">
-              <a:rPr lang="en-US" dirty="0"/>
+            <a:fld id="{58D4BE2B-C7EC-4AC6-AB59-07DF7FEB276C}" type="datetime1">
+              <a:rPr lang="en-US" smtClean="0"/>
               <a:t>2/26/2026</a:t>
             </a:fld>
             <a:endParaRPr lang="en-US" dirty="0"/>
@@ -3436,8 +3828,8 @@
             </a:lvl1pPr>
           </a:lstStyle>
           <a:p>
-            <a:fld id="{8664C608-40B1-4030-A28D-5B74BC98ADCE}" type="datetimeFigureOut">
-              <a:rPr lang="en-US" dirty="0"/>
+            <a:fld id="{351841EF-129A-4117-B297-F3F4B89E3336}" type="datetime1">
+              <a:rPr lang="en-US" smtClean="0"/>
               <a:t>2/26/2026</a:t>
             </a:fld>
             <a:endParaRPr lang="en-US" dirty="0"/>
@@ -3475,6 +3867,10 @@
             </a:lvl1pPr>
           </a:lstStyle>
           <a:p>
+            <a:r>
+              <a:rPr lang="ar-EG"/>
+              <a:t>م. يوسف مجدي</a:t>
+            </a:r>
             <a:endParaRPr lang="en-US" dirty="0"/>
           </a:p>
         </p:txBody>
@@ -3639,7 +4035,7 @@
     <p:sldLayoutId id="2147483850" r:id="rId10"/>
     <p:sldLayoutId id="2147483851" r:id="rId11"/>
   </p:sldLayoutIdLst>
-  <p:hf sldNum="0" hdr="0" ftr="0" dt="0"/>
+  <p:hf sldNum="0" hdr="0" dt="0"/>
   <p:txStyles>
     <p:titleStyle>
       <a:lvl1pPr algn="l" defTabSz="914400" rtl="0" eaLnBrk="1" latinLnBrk="0" hangingPunct="1">
@@ -4115,6 +4511,35 @@
           </a:p>
         </p:txBody>
       </p:sp>
+      <p:sp>
+        <p:nvSpPr>
+          <p:cNvPr id="4" name="Footer Placeholder 3">
+            <a:extLst>
+              <a:ext uri="{FF2B5EF4-FFF2-40B4-BE49-F238E27FC236}">
+                <a16:creationId xmlns:a16="http://schemas.microsoft.com/office/drawing/2014/main" id="{13729C0D-ED61-C1DA-FD27-98E516E1F95A}"/>
+              </a:ext>
+            </a:extLst>
+          </p:cNvPr>
+          <p:cNvSpPr>
+            <a:spLocks noGrp="1"/>
+          </p:cNvSpPr>
+          <p:nvPr>
+            <p:ph type="ftr" sz="quarter" idx="11"/>
+          </p:nvPr>
+        </p:nvSpPr>
+        <p:spPr/>
+        <p:txBody>
+          <a:bodyPr/>
+          <a:lstStyle/>
+          <a:p>
+            <a:r>
+              <a:rPr lang="ar-EG" dirty="0"/>
+              <a:t>م. يوسف مجدي</a:t>
+            </a:r>
+            <a:endParaRPr lang="en-US" dirty="0"/>
+          </a:p>
+        </p:txBody>
+      </p:sp>
     </p:spTree>
     <p:extLst>
       <p:ext uri="{BB962C8B-B14F-4D97-AF65-F5344CB8AC3E}">
@@ -4438,6 +4863,35 @@
           </a:p>
         </p:txBody>
       </p:sp>
+      <p:sp>
+        <p:nvSpPr>
+          <p:cNvPr id="6" name="Footer Placeholder 5">
+            <a:extLst>
+              <a:ext uri="{FF2B5EF4-FFF2-40B4-BE49-F238E27FC236}">
+                <a16:creationId xmlns:a16="http://schemas.microsoft.com/office/drawing/2014/main" id="{C5422D8E-1655-1F02-B660-7919BEF6C9A1}"/>
+              </a:ext>
+            </a:extLst>
+          </p:cNvPr>
+          <p:cNvSpPr>
+            <a:spLocks noGrp="1"/>
+          </p:cNvSpPr>
+          <p:nvPr>
+            <p:ph type="ftr" sz="quarter" idx="11"/>
+          </p:nvPr>
+        </p:nvSpPr>
+        <p:spPr/>
+        <p:txBody>
+          <a:bodyPr/>
+          <a:lstStyle/>
+          <a:p>
+            <a:r>
+              <a:rPr lang="ar-EG"/>
+              <a:t>م. يوسف مجدي</a:t>
+            </a:r>
+            <a:endParaRPr lang="en-US" dirty="0"/>
+          </a:p>
+        </p:txBody>
+      </p:sp>
     </p:spTree>
     <p:extLst>
       <p:ext uri="{BB962C8B-B14F-4D97-AF65-F5344CB8AC3E}">
@@ -4565,6 +5019,35 @@
               <a:rPr lang="en-US" sz="9600" dirty="0"/>
               <a:t>😨</a:t>
             </a:r>
+          </a:p>
+        </p:txBody>
+      </p:sp>
+      <p:sp>
+        <p:nvSpPr>
+          <p:cNvPr id="3" name="Footer Placeholder 2">
+            <a:extLst>
+              <a:ext uri="{FF2B5EF4-FFF2-40B4-BE49-F238E27FC236}">
+                <a16:creationId xmlns:a16="http://schemas.microsoft.com/office/drawing/2014/main" id="{C74DBB73-1D55-D47C-A5E6-650B2EE88239}"/>
+              </a:ext>
+            </a:extLst>
+          </p:cNvPr>
+          <p:cNvSpPr>
+            <a:spLocks noGrp="1"/>
+          </p:cNvSpPr>
+          <p:nvPr>
+            <p:ph type="ftr" sz="quarter" idx="11"/>
+          </p:nvPr>
+        </p:nvSpPr>
+        <p:spPr/>
+        <p:txBody>
+          <a:bodyPr/>
+          <a:lstStyle/>
+          <a:p>
+            <a:r>
+              <a:rPr lang="ar-EG"/>
+              <a:t>م. يوسف مجدي</a:t>
+            </a:r>
+            <a:endParaRPr lang="en-US" dirty="0"/>
           </a:p>
         </p:txBody>
       </p:sp>
@@ -5087,6 +5570,35 @@
               <a:rPr lang="en-US" dirty="0"/>
               <a:t>0.0</a:t>
             </a:r>
+          </a:p>
+        </p:txBody>
+      </p:sp>
+      <p:sp>
+        <p:nvSpPr>
+          <p:cNvPr id="2" name="Footer Placeholder 1">
+            <a:extLst>
+              <a:ext uri="{FF2B5EF4-FFF2-40B4-BE49-F238E27FC236}">
+                <a16:creationId xmlns:a16="http://schemas.microsoft.com/office/drawing/2014/main" id="{61E1B88B-BD57-6A22-E479-1102CF0D2E46}"/>
+              </a:ext>
+            </a:extLst>
+          </p:cNvPr>
+          <p:cNvSpPr>
+            <a:spLocks noGrp="1"/>
+          </p:cNvSpPr>
+          <p:nvPr>
+            <p:ph type="ftr" sz="quarter" idx="11"/>
+          </p:nvPr>
+        </p:nvSpPr>
+        <p:spPr/>
+        <p:txBody>
+          <a:bodyPr/>
+          <a:lstStyle/>
+          <a:p>
+            <a:r>
+              <a:rPr lang="ar-EG" dirty="0"/>
+              <a:t>م. يوسف مجدي</a:t>
+            </a:r>
+            <a:endParaRPr lang="en-US" dirty="0"/>
           </a:p>
         </p:txBody>
       </p:sp>
@@ -6841,6 +7353,35 @@
               </a:rPr>
               <a:t>(f(1+4)-f(1)) / 4 = 1.2</a:t>
             </a:r>
+          </a:p>
+        </p:txBody>
+      </p:sp>
+      <p:sp>
+        <p:nvSpPr>
+          <p:cNvPr id="2" name="Footer Placeholder 1">
+            <a:extLst>
+              <a:ext uri="{FF2B5EF4-FFF2-40B4-BE49-F238E27FC236}">
+                <a16:creationId xmlns:a16="http://schemas.microsoft.com/office/drawing/2014/main" id="{857533F8-5E64-C1EB-C5F4-44C8CE234F41}"/>
+              </a:ext>
+            </a:extLst>
+          </p:cNvPr>
+          <p:cNvSpPr>
+            <a:spLocks noGrp="1"/>
+          </p:cNvSpPr>
+          <p:nvPr>
+            <p:ph type="ftr" sz="quarter" idx="11"/>
+          </p:nvPr>
+        </p:nvSpPr>
+        <p:spPr/>
+        <p:txBody>
+          <a:bodyPr/>
+          <a:lstStyle/>
+          <a:p>
+            <a:r>
+              <a:rPr lang="ar-EG" dirty="0"/>
+              <a:t>م. يوسف مجدي</a:t>
+            </a:r>
+            <a:endParaRPr lang="en-US" dirty="0"/>
           </a:p>
         </p:txBody>
       </p:sp>
@@ -9154,6 +9695,35 @@
           </a:p>
         </p:txBody>
       </p:sp>
+      <p:sp>
+        <p:nvSpPr>
+          <p:cNvPr id="2" name="Footer Placeholder 1">
+            <a:extLst>
+              <a:ext uri="{FF2B5EF4-FFF2-40B4-BE49-F238E27FC236}">
+                <a16:creationId xmlns:a16="http://schemas.microsoft.com/office/drawing/2014/main" id="{D6933442-1A11-6500-1A7E-FA6E41158401}"/>
+              </a:ext>
+            </a:extLst>
+          </p:cNvPr>
+          <p:cNvSpPr>
+            <a:spLocks noGrp="1"/>
+          </p:cNvSpPr>
+          <p:nvPr>
+            <p:ph type="ftr" sz="quarter" idx="11"/>
+          </p:nvPr>
+        </p:nvSpPr>
+        <p:spPr/>
+        <p:txBody>
+          <a:bodyPr/>
+          <a:lstStyle/>
+          <a:p>
+            <a:r>
+              <a:rPr lang="ar-EG" dirty="0"/>
+              <a:t>م. يوسف مجدي</a:t>
+            </a:r>
+            <a:endParaRPr lang="en-US" dirty="0"/>
+          </a:p>
+        </p:txBody>
+      </p:sp>
     </p:spTree>
     <p:extLst>
       <p:ext uri="{BB962C8B-B14F-4D97-AF65-F5344CB8AC3E}">
@@ -9585,6 +10155,35 @@
               </a:rPr>
               <a:t>Slope | Gradient</a:t>
             </a:r>
+          </a:p>
+        </p:txBody>
+      </p:sp>
+      <p:sp>
+        <p:nvSpPr>
+          <p:cNvPr id="2" name="Footer Placeholder 1">
+            <a:extLst>
+              <a:ext uri="{FF2B5EF4-FFF2-40B4-BE49-F238E27FC236}">
+                <a16:creationId xmlns:a16="http://schemas.microsoft.com/office/drawing/2014/main" id="{958D4537-5963-186B-2E62-828D668F5AD9}"/>
+              </a:ext>
+            </a:extLst>
+          </p:cNvPr>
+          <p:cNvSpPr>
+            <a:spLocks noGrp="1"/>
+          </p:cNvSpPr>
+          <p:nvPr>
+            <p:ph type="ftr" sz="quarter" idx="11"/>
+          </p:nvPr>
+        </p:nvSpPr>
+        <p:spPr/>
+        <p:txBody>
+          <a:bodyPr/>
+          <a:lstStyle/>
+          <a:p>
+            <a:r>
+              <a:rPr lang="ar-EG" dirty="0"/>
+              <a:t>م. يوسف مجدي</a:t>
+            </a:r>
+            <a:endParaRPr lang="en-US" dirty="0"/>
           </a:p>
         </p:txBody>
       </p:sp>
@@ -10998,6 +11597,35 @@
           </a:p>
         </p:txBody>
       </p:sp>
+      <p:sp>
+        <p:nvSpPr>
+          <p:cNvPr id="3" name="Footer Placeholder 2">
+            <a:extLst>
+              <a:ext uri="{FF2B5EF4-FFF2-40B4-BE49-F238E27FC236}">
+                <a16:creationId xmlns:a16="http://schemas.microsoft.com/office/drawing/2014/main" id="{FC243CC9-2530-9070-ADB1-DD6A9322536C}"/>
+              </a:ext>
+            </a:extLst>
+          </p:cNvPr>
+          <p:cNvSpPr>
+            <a:spLocks noGrp="1"/>
+          </p:cNvSpPr>
+          <p:nvPr>
+            <p:ph type="ftr" sz="quarter" idx="11"/>
+          </p:nvPr>
+        </p:nvSpPr>
+        <p:spPr/>
+        <p:txBody>
+          <a:bodyPr/>
+          <a:lstStyle/>
+          <a:p>
+            <a:r>
+              <a:rPr lang="ar-EG" dirty="0"/>
+              <a:t>م. يوسف مجدي</a:t>
+            </a:r>
+            <a:endParaRPr lang="en-US" dirty="0"/>
+          </a:p>
+        </p:txBody>
+      </p:sp>
     </p:spTree>
     <p:extLst>
       <p:ext uri="{BB962C8B-B14F-4D97-AF65-F5344CB8AC3E}">
@@ -12027,6 +12655,35 @@
           </a:p>
         </p:txBody>
       </p:sp>
+      <p:sp>
+        <p:nvSpPr>
+          <p:cNvPr id="2" name="Footer Placeholder 1">
+            <a:extLst>
+              <a:ext uri="{FF2B5EF4-FFF2-40B4-BE49-F238E27FC236}">
+                <a16:creationId xmlns:a16="http://schemas.microsoft.com/office/drawing/2014/main" id="{2F5044D8-1CAE-6DD5-8A7F-D74DF284CD51}"/>
+              </a:ext>
+            </a:extLst>
+          </p:cNvPr>
+          <p:cNvSpPr>
+            <a:spLocks noGrp="1"/>
+          </p:cNvSpPr>
+          <p:nvPr>
+            <p:ph type="ftr" sz="quarter" idx="11"/>
+          </p:nvPr>
+        </p:nvSpPr>
+        <p:spPr/>
+        <p:txBody>
+          <a:bodyPr/>
+          <a:lstStyle/>
+          <a:p>
+            <a:r>
+              <a:rPr lang="ar-EG"/>
+              <a:t>م. يوسف مجدي</a:t>
+            </a:r>
+            <a:endParaRPr lang="en-US" dirty="0"/>
+          </a:p>
+        </p:txBody>
+      </p:sp>
     </p:spTree>
     <p:extLst>
       <p:ext uri="{BB962C8B-B14F-4D97-AF65-F5344CB8AC3E}">
@@ -12149,6 +12806,35 @@
           </a:prstGeom>
         </p:spPr>
       </p:pic>
+      <p:sp>
+        <p:nvSpPr>
+          <p:cNvPr id="3" name="Footer Placeholder 2">
+            <a:extLst>
+              <a:ext uri="{FF2B5EF4-FFF2-40B4-BE49-F238E27FC236}">
+                <a16:creationId xmlns:a16="http://schemas.microsoft.com/office/drawing/2014/main" id="{B76C5F46-BBCE-D0D9-138D-3D5D39AF5163}"/>
+              </a:ext>
+            </a:extLst>
+          </p:cNvPr>
+          <p:cNvSpPr>
+            <a:spLocks noGrp="1"/>
+          </p:cNvSpPr>
+          <p:nvPr>
+            <p:ph type="ftr" sz="quarter" idx="11"/>
+          </p:nvPr>
+        </p:nvSpPr>
+        <p:spPr/>
+        <p:txBody>
+          <a:bodyPr/>
+          <a:lstStyle/>
+          <a:p>
+            <a:r>
+              <a:rPr lang="ar-EG"/>
+              <a:t>م. يوسف مجدي</a:t>
+            </a:r>
+            <a:endParaRPr lang="en-US" dirty="0"/>
+          </a:p>
+        </p:txBody>
+      </p:sp>
     </p:spTree>
     <p:extLst>
       <p:ext uri="{BB962C8B-B14F-4D97-AF65-F5344CB8AC3E}">
@@ -12549,6 +13235,35 @@
               <a:rPr lang="en-US" sz="2800" dirty="0"/>
               <a:t>) / h</a:t>
             </a:r>
+          </a:p>
+        </p:txBody>
+      </p:sp>
+      <p:sp>
+        <p:nvSpPr>
+          <p:cNvPr id="2" name="Footer Placeholder 1">
+            <a:extLst>
+              <a:ext uri="{FF2B5EF4-FFF2-40B4-BE49-F238E27FC236}">
+                <a16:creationId xmlns:a16="http://schemas.microsoft.com/office/drawing/2014/main" id="{1D0949DB-77ED-8296-F293-BB46A5788F5A}"/>
+              </a:ext>
+            </a:extLst>
+          </p:cNvPr>
+          <p:cNvSpPr>
+            <a:spLocks noGrp="1"/>
+          </p:cNvSpPr>
+          <p:nvPr>
+            <p:ph type="ftr" sz="quarter" idx="11"/>
+          </p:nvPr>
+        </p:nvSpPr>
+        <p:spPr/>
+        <p:txBody>
+          <a:bodyPr/>
+          <a:lstStyle/>
+          <a:p>
+            <a:r>
+              <a:rPr lang="ar-EG"/>
+              <a:t>م. يوسف مجدي</a:t>
+            </a:r>
+            <a:endParaRPr lang="en-US" dirty="0"/>
           </a:p>
         </p:txBody>
       </p:sp>
@@ -13086,4 +13801,319 @@
     </a:ext>
   </a:extLst>
 </a:theme>
+</file>
+
+<file path=ppt/theme/theme2.xml><?xml version="1.0" encoding="utf-8"?>
+<a:theme xmlns:a="http://schemas.openxmlformats.org/drawingml/2006/main" name="Office Theme">
+  <a:themeElements>
+    <a:clrScheme name="Office">
+      <a:dk1>
+        <a:sysClr val="windowText" lastClr="000000"/>
+      </a:dk1>
+      <a:lt1>
+        <a:sysClr val="window" lastClr="FFFFFF"/>
+      </a:lt1>
+      <a:dk2>
+        <a:srgbClr val="0E2841"/>
+      </a:dk2>
+      <a:lt2>
+        <a:srgbClr val="E8E8E8"/>
+      </a:lt2>
+      <a:accent1>
+        <a:srgbClr val="156082"/>
+      </a:accent1>
+      <a:accent2>
+        <a:srgbClr val="E97132"/>
+      </a:accent2>
+      <a:accent3>
+        <a:srgbClr val="196B24"/>
+      </a:accent3>
+      <a:accent4>
+        <a:srgbClr val="0F9ED5"/>
+      </a:accent4>
+      <a:accent5>
+        <a:srgbClr val="A02B93"/>
+      </a:accent5>
+      <a:accent6>
+        <a:srgbClr val="4EA72E"/>
+      </a:accent6>
+      <a:hlink>
+        <a:srgbClr val="467886"/>
+      </a:hlink>
+      <a:folHlink>
+        <a:srgbClr val="96607D"/>
+      </a:folHlink>
+    </a:clrScheme>
+    <a:fontScheme name="Office">
+      <a:majorFont>
+        <a:latin typeface="Aptos Display" panose="02110004020202020204"/>
+        <a:ea typeface=""/>
+        <a:cs typeface=""/>
+        <a:font script="Jpan" typeface="游ゴシック Light"/>
+        <a:font script="Hang" typeface="맑은 고딕"/>
+        <a:font script="Hans" typeface="等线 Light"/>
+        <a:font script="Hant" typeface="新細明體"/>
+        <a:font script="Arab" typeface="Times New Roman"/>
+        <a:font script="Hebr" typeface="Times New Roman"/>
+        <a:font script="Thai" typeface="Angsana New"/>
+        <a:font script="Ethi" typeface="Nyala"/>
+        <a:font script="Beng" typeface="Vrinda"/>
+        <a:font script="Gujr" typeface="Shruti"/>
+        <a:font script="Khmr" typeface="MoolBoran"/>
+        <a:font script="Knda" typeface="Tunga"/>
+        <a:font script="Guru" typeface="Raavi"/>
+        <a:font script="Cans" typeface="Euphemia"/>
+        <a:font script="Cher" typeface="Plantagenet Cherokee"/>
+        <a:font script="Yiii" typeface="Microsoft Yi Baiti"/>
+        <a:font script="Tibt" typeface="Microsoft Himalaya"/>
+        <a:font script="Thaa" typeface="MV Boli"/>
+        <a:font script="Deva" typeface="Mangal"/>
+        <a:font script="Telu" typeface="Gautami"/>
+        <a:font script="Taml" typeface="Latha"/>
+        <a:font script="Syrc" typeface="Estrangelo Edessa"/>
+        <a:font script="Orya" typeface="Kalinga"/>
+        <a:font script="Mlym" typeface="Kartika"/>
+        <a:font script="Laoo" typeface="DokChampa"/>
+        <a:font script="Sinh" typeface="Iskoola Pota"/>
+        <a:font script="Mong" typeface="Mongolian Baiti"/>
+        <a:font script="Viet" typeface="Times New Roman"/>
+        <a:font script="Uigh" typeface="Microsoft Uighur"/>
+        <a:font script="Geor" typeface="Sylfaen"/>
+        <a:font script="Armn" typeface="Arial"/>
+        <a:font script="Bugi" typeface="Leelawadee UI"/>
+        <a:font script="Bopo" typeface="Microsoft JhengHei"/>
+        <a:font script="Java" typeface="Javanese Text"/>
+        <a:font script="Lisu" typeface="Segoe UI"/>
+        <a:font script="Mymr" typeface="Myanmar Text"/>
+        <a:font script="Nkoo" typeface="Ebrima"/>
+        <a:font script="Olck" typeface="Nirmala UI"/>
+        <a:font script="Osma" typeface="Ebrima"/>
+        <a:font script="Phag" typeface="Phagspa"/>
+        <a:font script="Syrn" typeface="Estrangelo Edessa"/>
+        <a:font script="Syrj" typeface="Estrangelo Edessa"/>
+        <a:font script="Syre" typeface="Estrangelo Edessa"/>
+        <a:font script="Sora" typeface="Nirmala UI"/>
+        <a:font script="Tale" typeface="Microsoft Tai Le"/>
+        <a:font script="Talu" typeface="Microsoft New Tai Lue"/>
+        <a:font script="Tfng" typeface="Ebrima"/>
+      </a:majorFont>
+      <a:minorFont>
+        <a:latin typeface="Aptos" panose="02110004020202020204"/>
+        <a:ea typeface=""/>
+        <a:cs typeface=""/>
+        <a:font script="Jpan" typeface="游ゴシック"/>
+        <a:font script="Hang" typeface="맑은 고딕"/>
+        <a:font script="Hans" typeface="等线"/>
+        <a:font script="Hant" typeface="新細明體"/>
+        <a:font script="Arab" typeface="Arial"/>
+        <a:font script="Hebr" typeface="Arial"/>
+        <a:font script="Thai" typeface="Cordia New"/>
+        <a:font script="Ethi" typeface="Nyala"/>
+        <a:font script="Beng" typeface="Vrinda"/>
+        <a:font script="Gujr" typeface="Shruti"/>
+        <a:font script="Khmr" typeface="DaunPenh"/>
+        <a:font script="Knda" typeface="Tunga"/>
+        <a:font script="Guru" typeface="Raavi"/>
+        <a:font script="Cans" typeface="Euphemia"/>
+        <a:font script="Cher" typeface="Plantagenet Cherokee"/>
+        <a:font script="Yiii" typeface="Microsoft Yi Baiti"/>
+        <a:font script="Tibt" typeface="Microsoft Himalaya"/>
+        <a:font script="Thaa" typeface="MV Boli"/>
+        <a:font script="Deva" typeface="Mangal"/>
+        <a:font script="Telu" typeface="Gautami"/>
+        <a:font script="Taml" typeface="Latha"/>
+        <a:font script="Syrc" typeface="Estrangelo Edessa"/>
+        <a:font script="Orya" typeface="Kalinga"/>
+        <a:font script="Mlym" typeface="Kartika"/>
+        <a:font script="Laoo" typeface="DokChampa"/>
+        <a:font script="Sinh" typeface="Iskoola Pota"/>
+        <a:font script="Mong" typeface="Mongolian Baiti"/>
+        <a:font script="Viet" typeface="Arial"/>
+        <a:font script="Uigh" typeface="Microsoft Uighur"/>
+        <a:font script="Geor" typeface="Sylfaen"/>
+        <a:font script="Armn" typeface="Arial"/>
+        <a:font script="Bugi" typeface="Leelawadee UI"/>
+        <a:font script="Bopo" typeface="Microsoft JhengHei"/>
+        <a:font script="Java" typeface="Javanese Text"/>
+        <a:font script="Lisu" typeface="Segoe UI"/>
+        <a:font script="Mymr" typeface="Myanmar Text"/>
+        <a:font script="Nkoo" typeface="Ebrima"/>
+        <a:font script="Olck" typeface="Nirmala UI"/>
+        <a:font script="Osma" typeface="Ebrima"/>
+        <a:font script="Phag" typeface="Phagspa"/>
+        <a:font script="Syrn" typeface="Estrangelo Edessa"/>
+        <a:font script="Syrj" typeface="Estrangelo Edessa"/>
+        <a:font script="Syre" typeface="Estrangelo Edessa"/>
+        <a:font script="Sora" typeface="Nirmala UI"/>
+        <a:font script="Tale" typeface="Microsoft Tai Le"/>
+        <a:font script="Talu" typeface="Microsoft New Tai Lue"/>
+        <a:font script="Tfng" typeface="Ebrima"/>
+      </a:minorFont>
+    </a:fontScheme>
+    <a:fmtScheme name="Office">
+      <a:fillStyleLst>
+        <a:solidFill>
+          <a:schemeClr val="phClr"/>
+        </a:solidFill>
+        <a:gradFill rotWithShape="1">
+          <a:gsLst>
+            <a:gs pos="0">
+              <a:schemeClr val="phClr">
+                <a:lumMod val="110000"/>
+                <a:satMod val="105000"/>
+                <a:tint val="67000"/>
+              </a:schemeClr>
+            </a:gs>
+            <a:gs pos="50000">
+              <a:schemeClr val="phClr">
+                <a:lumMod val="105000"/>
+                <a:satMod val="103000"/>
+                <a:tint val="73000"/>
+              </a:schemeClr>
+            </a:gs>
+            <a:gs pos="100000">
+              <a:schemeClr val="phClr">
+                <a:lumMod val="105000"/>
+                <a:satMod val="109000"/>
+                <a:tint val="81000"/>
+              </a:schemeClr>
+            </a:gs>
+          </a:gsLst>
+          <a:lin ang="5400000" scaled="0"/>
+        </a:gradFill>
+        <a:gradFill rotWithShape="1">
+          <a:gsLst>
+            <a:gs pos="0">
+              <a:schemeClr val="phClr">
+                <a:satMod val="103000"/>
+                <a:lumMod val="102000"/>
+                <a:tint val="94000"/>
+              </a:schemeClr>
+            </a:gs>
+            <a:gs pos="50000">
+              <a:schemeClr val="phClr">
+                <a:satMod val="110000"/>
+                <a:lumMod val="100000"/>
+                <a:shade val="100000"/>
+              </a:schemeClr>
+            </a:gs>
+            <a:gs pos="100000">
+              <a:schemeClr val="phClr">
+                <a:lumMod val="99000"/>
+                <a:satMod val="120000"/>
+                <a:shade val="78000"/>
+              </a:schemeClr>
+            </a:gs>
+          </a:gsLst>
+          <a:lin ang="5400000" scaled="0"/>
+        </a:gradFill>
+      </a:fillStyleLst>
+      <a:lnStyleLst>
+        <a:ln w="12700" cap="flat" cmpd="sng" algn="ctr">
+          <a:solidFill>
+            <a:schemeClr val="phClr"/>
+          </a:solidFill>
+          <a:prstDash val="solid"/>
+          <a:miter lim="800000"/>
+        </a:ln>
+        <a:ln w="19050" cap="flat" cmpd="sng" algn="ctr">
+          <a:solidFill>
+            <a:schemeClr val="phClr"/>
+          </a:solidFill>
+          <a:prstDash val="solid"/>
+          <a:miter lim="800000"/>
+        </a:ln>
+        <a:ln w="25400" cap="flat" cmpd="sng" algn="ctr">
+          <a:solidFill>
+            <a:schemeClr val="phClr"/>
+          </a:solidFill>
+          <a:prstDash val="solid"/>
+          <a:miter lim="800000"/>
+        </a:ln>
+      </a:lnStyleLst>
+      <a:effectStyleLst>
+        <a:effectStyle>
+          <a:effectLst/>
+        </a:effectStyle>
+        <a:effectStyle>
+          <a:effectLst/>
+        </a:effectStyle>
+        <a:effectStyle>
+          <a:effectLst>
+            <a:outerShdw blurRad="57150" dist="19050" dir="5400000" algn="ctr" rotWithShape="0">
+              <a:srgbClr val="000000">
+                <a:alpha val="63000"/>
+              </a:srgbClr>
+            </a:outerShdw>
+          </a:effectLst>
+        </a:effectStyle>
+      </a:effectStyleLst>
+      <a:bgFillStyleLst>
+        <a:solidFill>
+          <a:schemeClr val="phClr"/>
+        </a:solidFill>
+        <a:solidFill>
+          <a:schemeClr val="phClr">
+            <a:tint val="95000"/>
+            <a:satMod val="170000"/>
+          </a:schemeClr>
+        </a:solidFill>
+        <a:gradFill rotWithShape="1">
+          <a:gsLst>
+            <a:gs pos="0">
+              <a:schemeClr val="phClr">
+                <a:tint val="93000"/>
+                <a:satMod val="150000"/>
+                <a:shade val="98000"/>
+                <a:lumMod val="102000"/>
+              </a:schemeClr>
+            </a:gs>
+            <a:gs pos="50000">
+              <a:schemeClr val="phClr">
+                <a:tint val="98000"/>
+                <a:satMod val="130000"/>
+                <a:shade val="90000"/>
+                <a:lumMod val="103000"/>
+              </a:schemeClr>
+            </a:gs>
+            <a:gs pos="100000">
+              <a:schemeClr val="phClr">
+                <a:shade val="63000"/>
+                <a:satMod val="120000"/>
+              </a:schemeClr>
+            </a:gs>
+          </a:gsLst>
+          <a:lin ang="5400000" scaled="0"/>
+        </a:gradFill>
+      </a:bgFillStyleLst>
+    </a:fmtScheme>
+  </a:themeElements>
+  <a:objectDefaults>
+    <a:lnDef>
+      <a:spPr/>
+      <a:bodyPr/>
+      <a:lstStyle/>
+      <a:style>
+        <a:lnRef idx="2">
+          <a:schemeClr val="accent1"/>
+        </a:lnRef>
+        <a:fillRef idx="0">
+          <a:schemeClr val="accent1"/>
+        </a:fillRef>
+        <a:effectRef idx="1">
+          <a:schemeClr val="accent1"/>
+        </a:effectRef>
+        <a:fontRef idx="minor">
+          <a:schemeClr val="tx1"/>
+        </a:fontRef>
+      </a:style>
+    </a:lnDef>
+  </a:objectDefaults>
+  <a:extraClrSchemeLst/>
+  <a:extLst>
+    <a:ext uri="{05A4C25C-085E-4340-85A3-A5531E510DB2}">
+      <thm15:themeFamily xmlns:thm15="http://schemas.microsoft.com/office/thememl/2012/main" name="Office Theme" id="{2E142A2C-CD16-42D6-873A-C26D2A0506FA}" vid="{1BDDFF52-6CD6-40A5-AB3C-68EB2F1E4D0A}"/>
+    </a:ext>
+  </a:extLst>
+</a:theme>
 </file>